--- a/Готовые части/Prezentatsia1 (1).pptx
+++ b/Готовые части/Prezentatsia1 (1).pptx
@@ -10,8 +10,9 @@
     <p:sldId id="259" r:id="rId4"/>
     <p:sldId id="260" r:id="rId5"/>
     <p:sldId id="261" r:id="rId6"/>
-    <p:sldId id="262" r:id="rId7"/>
-    <p:sldId id="263" r:id="rId8"/>
+    <p:sldId id="264" r:id="rId7"/>
+    <p:sldId id="262" r:id="rId8"/>
+    <p:sldId id="263" r:id="rId9"/>
   </p:sldIdLst>
   <p:sldSz cx="12192000" cy="6858000"/>
   <p:notesSz cx="6858000" cy="9144000"/>
@@ -265,7 +266,7 @@
           <a:p>
             <a:fld id="{944A6E1B-0D88-4A34-B162-82492BF04209}" type="datetimeFigureOut">
               <a:rPr lang="ru-RU" smtClean="0"/>
-              <a:t>07.06.2022</a:t>
+              <a:t>08.06.2022</a:t>
             </a:fld>
             <a:endParaRPr lang="ru-RU"/>
           </a:p>
@@ -463,7 +464,7 @@
           <a:p>
             <a:fld id="{944A6E1B-0D88-4A34-B162-82492BF04209}" type="datetimeFigureOut">
               <a:rPr lang="ru-RU" smtClean="0"/>
-              <a:t>07.06.2022</a:t>
+              <a:t>08.06.2022</a:t>
             </a:fld>
             <a:endParaRPr lang="ru-RU"/>
           </a:p>
@@ -671,7 +672,7 @@
           <a:p>
             <a:fld id="{944A6E1B-0D88-4A34-B162-82492BF04209}" type="datetimeFigureOut">
               <a:rPr lang="ru-RU" smtClean="0"/>
-              <a:t>07.06.2022</a:t>
+              <a:t>08.06.2022</a:t>
             </a:fld>
             <a:endParaRPr lang="ru-RU"/>
           </a:p>
@@ -869,7 +870,7 @@
           <a:p>
             <a:fld id="{944A6E1B-0D88-4A34-B162-82492BF04209}" type="datetimeFigureOut">
               <a:rPr lang="ru-RU" smtClean="0"/>
-              <a:t>07.06.2022</a:t>
+              <a:t>08.06.2022</a:t>
             </a:fld>
             <a:endParaRPr lang="ru-RU"/>
           </a:p>
@@ -1144,7 +1145,7 @@
           <a:p>
             <a:fld id="{944A6E1B-0D88-4A34-B162-82492BF04209}" type="datetimeFigureOut">
               <a:rPr lang="ru-RU" smtClean="0"/>
-              <a:t>07.06.2022</a:t>
+              <a:t>08.06.2022</a:t>
             </a:fld>
             <a:endParaRPr lang="ru-RU"/>
           </a:p>
@@ -1409,7 +1410,7 @@
           <a:p>
             <a:fld id="{944A6E1B-0D88-4A34-B162-82492BF04209}" type="datetimeFigureOut">
               <a:rPr lang="ru-RU" smtClean="0"/>
-              <a:t>07.06.2022</a:t>
+              <a:t>08.06.2022</a:t>
             </a:fld>
             <a:endParaRPr lang="ru-RU"/>
           </a:p>
@@ -1821,7 +1822,7 @@
           <a:p>
             <a:fld id="{944A6E1B-0D88-4A34-B162-82492BF04209}" type="datetimeFigureOut">
               <a:rPr lang="ru-RU" smtClean="0"/>
-              <a:t>07.06.2022</a:t>
+              <a:t>08.06.2022</a:t>
             </a:fld>
             <a:endParaRPr lang="ru-RU"/>
           </a:p>
@@ -1962,7 +1963,7 @@
           <a:p>
             <a:fld id="{944A6E1B-0D88-4A34-B162-82492BF04209}" type="datetimeFigureOut">
               <a:rPr lang="ru-RU" smtClean="0"/>
-              <a:t>07.06.2022</a:t>
+              <a:t>08.06.2022</a:t>
             </a:fld>
             <a:endParaRPr lang="ru-RU"/>
           </a:p>
@@ -2075,7 +2076,7 @@
           <a:p>
             <a:fld id="{944A6E1B-0D88-4A34-B162-82492BF04209}" type="datetimeFigureOut">
               <a:rPr lang="ru-RU" smtClean="0"/>
-              <a:t>07.06.2022</a:t>
+              <a:t>08.06.2022</a:t>
             </a:fld>
             <a:endParaRPr lang="ru-RU"/>
           </a:p>
@@ -2386,7 +2387,7 @@
           <a:p>
             <a:fld id="{944A6E1B-0D88-4A34-B162-82492BF04209}" type="datetimeFigureOut">
               <a:rPr lang="ru-RU" smtClean="0"/>
-              <a:t>07.06.2022</a:t>
+              <a:t>08.06.2022</a:t>
             </a:fld>
             <a:endParaRPr lang="ru-RU"/>
           </a:p>
@@ -2674,7 +2675,7 @@
           <a:p>
             <a:fld id="{944A6E1B-0D88-4A34-B162-82492BF04209}" type="datetimeFigureOut">
               <a:rPr lang="ru-RU" smtClean="0"/>
-              <a:t>07.06.2022</a:t>
+              <a:t>08.06.2022</a:t>
             </a:fld>
             <a:endParaRPr lang="ru-RU"/>
           </a:p>
@@ -2915,7 +2916,7 @@
           <a:p>
             <a:fld id="{944A6E1B-0D88-4A34-B162-82492BF04209}" type="datetimeFigureOut">
               <a:rPr lang="ru-RU" smtClean="0"/>
-              <a:t>07.06.2022</a:t>
+              <a:t>08.06.2022</a:t>
             </a:fld>
             <a:endParaRPr lang="ru-RU"/>
           </a:p>
@@ -3860,8 +3861,19 @@
                 <a:latin typeface="Arial" panose="020B0604020202020204" pitchFamily="34" charset="0"/>
                 <a:cs typeface="Arial" panose="020B0604020202020204" pitchFamily="34" charset="0"/>
               </a:rPr>
-              <a:t> Разработка системы движения объекта поезда по сплайну;</a:t>
-            </a:r>
+              <a:t> Реализация ввода пользователя</a:t>
+            </a:r>
+            <a:r>
+              <a:rPr lang="en-US" sz="2000" dirty="0">
+                <a:latin typeface="Arial" panose="020B0604020202020204" pitchFamily="34" charset="0"/>
+                <a:cs typeface="Arial" panose="020B0604020202020204" pitchFamily="34" charset="0"/>
+              </a:rPr>
+              <a:t>;</a:t>
+            </a:r>
+            <a:endParaRPr lang="ru-RU" sz="2000" dirty="0">
+              <a:latin typeface="Arial" panose="020B0604020202020204" pitchFamily="34" charset="0"/>
+              <a:cs typeface="Arial" panose="020B0604020202020204" pitchFamily="34" charset="0"/>
+            </a:endParaRPr>
           </a:p>
           <a:p>
             <a:pPr>
@@ -3881,7 +3893,7 @@
                 <a:latin typeface="Arial" panose="020B0604020202020204" pitchFamily="34" charset="0"/>
                 <a:cs typeface="Arial" panose="020B0604020202020204" pitchFamily="34" charset="0"/>
               </a:rPr>
-              <a:t> Разработка модуля, отвечающего за управление поездом;</a:t>
+              <a:t> Разработка модуля движения модели поезда; </a:t>
             </a:r>
           </a:p>
           <a:p>
@@ -3902,8 +3914,19 @@
                 <a:latin typeface="Arial" panose="020B0604020202020204" pitchFamily="34" charset="0"/>
                 <a:cs typeface="Arial" panose="020B0604020202020204" pitchFamily="34" charset="0"/>
               </a:rPr>
-              <a:t> Реализация различных моделей ввода пользователя;</a:t>
-            </a:r>
+              <a:t> Разработка модулей для взаимодействия с вспомогательными системами поезда</a:t>
+            </a:r>
+            <a:r>
+              <a:rPr lang="en-US" sz="2000">
+                <a:latin typeface="Arial" panose="020B0604020202020204" pitchFamily="34" charset="0"/>
+                <a:cs typeface="Arial" panose="020B0604020202020204" pitchFamily="34" charset="0"/>
+              </a:rPr>
+              <a:t>;</a:t>
+            </a:r>
+            <a:endParaRPr lang="ru-RU" sz="2000">
+              <a:latin typeface="Arial" panose="020B0604020202020204" pitchFamily="34" charset="0"/>
+              <a:cs typeface="Arial" panose="020B0604020202020204" pitchFamily="34" charset="0"/>
+            </a:endParaRPr>
           </a:p>
           <a:p>
             <a:pPr>
@@ -3923,8 +3946,19 @@
                 <a:latin typeface="Arial" panose="020B0604020202020204" pitchFamily="34" charset="0"/>
                 <a:cs typeface="Arial" panose="020B0604020202020204" pitchFamily="34" charset="0"/>
               </a:rPr>
-              <a:t> Разработка подсистем для взаимодействия с вспомогательным функционалом поезда;</a:t>
-            </a:r>
+              <a:t> Внедрение подсистемы в симулятор</a:t>
+            </a:r>
+            <a:r>
+              <a:rPr lang="en-US" sz="2000" dirty="0">
+                <a:latin typeface="Arial" panose="020B0604020202020204" pitchFamily="34" charset="0"/>
+                <a:cs typeface="Arial" panose="020B0604020202020204" pitchFamily="34" charset="0"/>
+              </a:rPr>
+              <a:t>;</a:t>
+            </a:r>
+            <a:endParaRPr lang="ru-RU" sz="2000" dirty="0">
+              <a:latin typeface="Arial" panose="020B0604020202020204" pitchFamily="34" charset="0"/>
+              <a:cs typeface="Arial" panose="020B0604020202020204" pitchFamily="34" charset="0"/>
+            </a:endParaRPr>
           </a:p>
           <a:p>
             <a:pPr>
@@ -3944,8 +3978,19 @@
                 <a:latin typeface="Arial" panose="020B0604020202020204" pitchFamily="34" charset="0"/>
                 <a:cs typeface="Arial" panose="020B0604020202020204" pitchFamily="34" charset="0"/>
               </a:rPr>
-              <a:t> Создание технической документации по разработанному сервису, соответствующей ЕСПД;</a:t>
-            </a:r>
+              <a:t> Связь модулей управления с визуальной частью</a:t>
+            </a:r>
+            <a:r>
+              <a:rPr lang="en-US" sz="2000" dirty="0">
+                <a:latin typeface="Arial" panose="020B0604020202020204" pitchFamily="34" charset="0"/>
+                <a:cs typeface="Arial" panose="020B0604020202020204" pitchFamily="34" charset="0"/>
+              </a:rPr>
+              <a:t>;</a:t>
+            </a:r>
+            <a:endParaRPr lang="ru-RU" sz="2000" dirty="0">
+              <a:latin typeface="Arial" panose="020B0604020202020204" pitchFamily="34" charset="0"/>
+              <a:cs typeface="Arial" panose="020B0604020202020204" pitchFamily="34" charset="0"/>
+            </a:endParaRPr>
           </a:p>
           <a:p>
             <a:pPr>
@@ -3979,8 +4024,19 @@
                 <a:latin typeface="Arial" panose="020B0604020202020204" pitchFamily="34" charset="0"/>
                 <a:cs typeface="Arial" panose="020B0604020202020204" pitchFamily="34" charset="0"/>
               </a:rPr>
-              <a:t>-тестов для автоматизации тестирования системы.</a:t>
-            </a:r>
+              <a:t>-тестов для автоматизации процесса тестирования</a:t>
+            </a:r>
+            <a:r>
+              <a:rPr lang="en-US" sz="2000" dirty="0">
+                <a:latin typeface="Arial" panose="020B0604020202020204" pitchFamily="34" charset="0"/>
+                <a:cs typeface="Arial" panose="020B0604020202020204" pitchFamily="34" charset="0"/>
+              </a:rPr>
+              <a:t>;</a:t>
+            </a:r>
+            <a:endParaRPr lang="ru-RU" sz="2000" dirty="0">
+              <a:latin typeface="Arial" panose="020B0604020202020204" pitchFamily="34" charset="0"/>
+              <a:cs typeface="Arial" panose="020B0604020202020204" pitchFamily="34" charset="0"/>
+            </a:endParaRPr>
           </a:p>
           <a:p>
             <a:endParaRPr lang="ru-RU" sz="3200" dirty="0">
@@ -5033,7 +5089,7 @@
           <a:lstStyle/>
           <a:p>
             <a:pPr algn="ctr"/>
-            <a:endParaRPr lang="ru-RU"/>
+            <a:endParaRPr lang="ru-RU" dirty="0"/>
           </a:p>
         </p:txBody>
       </p:sp>
@@ -5105,8 +5161,8 @@
         </p:nvSpPr>
         <p:spPr>
           <a:xfrm>
-            <a:off x="304800" y="412030"/>
-            <a:ext cx="6366588" cy="646331"/>
+            <a:off x="34213" y="393842"/>
+            <a:ext cx="7943460" cy="646331"/>
           </a:xfrm>
           <a:prstGeom prst="rect">
             <a:avLst/>
@@ -5120,63 +5176,10 @@
           <a:lstStyle/>
           <a:p>
             <a:r>
-              <a:rPr lang="ru-RU" sz="3200" b="1" dirty="0">
-                <a:latin typeface="Arial Narrow" panose="020B0606020202030204" pitchFamily="34" charset="0"/>
-              </a:rPr>
-              <a:t>БАЗА ДАННЫХ </a:t>
-            </a:r>
-            <a:r>
               <a:rPr lang="ru-RU" sz="3600" b="1" dirty="0">
                 <a:latin typeface="Arial Narrow" panose="020B0606020202030204" pitchFamily="34" charset="0"/>
               </a:rPr>
-              <a:t>(измени, если что)</a:t>
-            </a:r>
-          </a:p>
-        </p:txBody>
-      </p:sp>
-      <p:sp>
-        <p:nvSpPr>
-          <p:cNvPr id="6" name="TextBox 5">
-            <a:extLst>
-              <a:ext uri="{FF2B5EF4-FFF2-40B4-BE49-F238E27FC236}">
-                <a16:creationId xmlns:a16="http://schemas.microsoft.com/office/drawing/2014/main" id="{F02C1988-801B-D566-CFD9-ADD114A1C611}"/>
-              </a:ext>
-            </a:extLst>
-          </p:cNvPr>
-          <p:cNvSpPr txBox="1"/>
-          <p:nvPr/>
-        </p:nvSpPr>
-        <p:spPr>
-          <a:xfrm>
-            <a:off x="314129" y="1175793"/>
-            <a:ext cx="11563741" cy="892552"/>
-          </a:xfrm>
-          <a:prstGeom prst="rect">
-            <a:avLst/>
-          </a:prstGeom>
-          <a:noFill/>
-        </p:spPr>
-        <p:txBody>
-          <a:bodyPr wrap="square">
-            <a:spAutoFit/>
-          </a:bodyPr>
-          <a:lstStyle/>
-          <a:p>
-            <a:r>
-              <a:rPr lang="ru-RU" sz="2600" b="1" dirty="0">
-                <a:latin typeface="Arial" panose="020B0604020202020204" pitchFamily="34" charset="0"/>
-                <a:cs typeface="Arial" panose="020B0604020202020204" pitchFamily="34" charset="0"/>
-              </a:rPr>
-              <a:t>Тут какая-то картинка была у чела</a:t>
-            </a:r>
-          </a:p>
-          <a:p>
-            <a:r>
-              <a:rPr lang="ru-RU" sz="2600" b="1" dirty="0">
-                <a:latin typeface="Arial" panose="020B0604020202020204" pitchFamily="34" charset="0"/>
-                <a:cs typeface="Arial" panose="020B0604020202020204" pitchFamily="34" charset="0"/>
-              </a:rPr>
-              <a:t>Добавь что-то своё</a:t>
+              <a:t>Ввод данных</a:t>
             </a:r>
           </a:p>
         </p:txBody>
@@ -5409,6 +5412,36 @@
           </p:txBody>
         </p:sp>
       </p:grpSp>
+      <p:pic>
+        <p:nvPicPr>
+          <p:cNvPr id="11" name="Рисунок 10">
+            <a:extLst>
+              <a:ext uri="{FF2B5EF4-FFF2-40B4-BE49-F238E27FC236}">
+                <a16:creationId xmlns:a16="http://schemas.microsoft.com/office/drawing/2014/main" id="{36887CF3-5465-38C0-17BD-37C03DE3F43E}"/>
+              </a:ext>
+            </a:extLst>
+          </p:cNvPr>
+          <p:cNvPicPr>
+            <a:picLocks noChangeAspect="1"/>
+          </p:cNvPicPr>
+          <p:nvPr/>
+        </p:nvPicPr>
+        <p:blipFill>
+          <a:blip r:embed="rId2"/>
+          <a:stretch>
+            <a:fillRect/>
+          </a:stretch>
+        </p:blipFill>
+        <p:spPr>
+          <a:xfrm>
+            <a:off x="1476952" y="1470698"/>
+            <a:ext cx="9238095" cy="4600000"/>
+          </a:xfrm>
+          <a:prstGeom prst="rect">
+            <a:avLst/>
+          </a:prstGeom>
+        </p:spPr>
+      </p:pic>
     </p:spTree>
     <p:extLst>
       <p:ext uri="{BB962C8B-B14F-4D97-AF65-F5344CB8AC3E}">
@@ -5556,8 +5589,8 @@
         </p:nvSpPr>
         <p:spPr>
           <a:xfrm>
-            <a:off x="304800" y="412030"/>
-            <a:ext cx="5486401" cy="584775"/>
+            <a:off x="34213" y="393842"/>
+            <a:ext cx="6366588" cy="646331"/>
           </a:xfrm>
           <a:prstGeom prst="rect">
             <a:avLst/>
@@ -5571,23 +5604,20 @@
           <a:lstStyle/>
           <a:p>
             <a:r>
-              <a:rPr lang="ru-RU" sz="3200" b="1" dirty="0">
+              <a:rPr lang="ru-RU" sz="3600" b="1" dirty="0">
                 <a:latin typeface="Arial Narrow" panose="020B0606020202030204" pitchFamily="34" charset="0"/>
               </a:rPr>
-              <a:t>ИНТЕРФЕЙС (измени, если что)</a:t>
-            </a:r>
-            <a:endParaRPr lang="ru-RU" sz="3600" b="1" dirty="0">
-              <a:latin typeface="Arial Narrow" panose="020B0606020202030204" pitchFamily="34" charset="0"/>
-            </a:endParaRPr>
-          </a:p>
-        </p:txBody>
-      </p:sp>
-      <p:sp>
-        <p:nvSpPr>
-          <p:cNvPr id="6" name="TextBox 5">
-            <a:extLst>
-              <a:ext uri="{FF2B5EF4-FFF2-40B4-BE49-F238E27FC236}">
-                <a16:creationId xmlns:a16="http://schemas.microsoft.com/office/drawing/2014/main" id="{F02C1988-801B-D566-CFD9-ADD114A1C611}"/>
+              <a:t>Система движения</a:t>
+            </a:r>
+          </a:p>
+        </p:txBody>
+      </p:sp>
+      <p:sp>
+        <p:nvSpPr>
+          <p:cNvPr id="3" name="TextBox 2">
+            <a:extLst>
+              <a:ext uri="{FF2B5EF4-FFF2-40B4-BE49-F238E27FC236}">
+                <a16:creationId xmlns:a16="http://schemas.microsoft.com/office/drawing/2014/main" id="{830DA6B1-AFAA-B43F-424F-7D28736F06D2}"/>
               </a:ext>
             </a:extLst>
           </p:cNvPr>
@@ -5596,8 +5626,8 @@
         </p:nvSpPr>
         <p:spPr>
           <a:xfrm>
-            <a:off x="314129" y="1175793"/>
-            <a:ext cx="11563741" cy="892552"/>
+            <a:off x="11525639" y="6183404"/>
+            <a:ext cx="415990" cy="461665"/>
           </a:xfrm>
           <a:prstGeom prst="rect">
             <a:avLst/>
@@ -5605,36 +5635,277 @@
           <a:noFill/>
         </p:spPr>
         <p:txBody>
-          <a:bodyPr wrap="square">
+          <a:bodyPr wrap="square" rtlCol="0">
             <a:spAutoFit/>
           </a:bodyPr>
           <a:lstStyle/>
           <a:p>
             <a:r>
-              <a:rPr lang="ru-RU" sz="2600" b="1" dirty="0">
-                <a:latin typeface="Arial" panose="020B0604020202020204" pitchFamily="34" charset="0"/>
-                <a:cs typeface="Arial" panose="020B0604020202020204" pitchFamily="34" charset="0"/>
+              <a:rPr lang="ru-RU" sz="2400" dirty="0">
+                <a:solidFill>
+                  <a:schemeClr val="accent6">
+                    <a:lumMod val="75000"/>
+                  </a:schemeClr>
+                </a:solidFill>
+                <a:latin typeface="Arial Black" panose="020B0A04020102020204" pitchFamily="34" charset="0"/>
               </a:rPr>
-              <a:t>Опять же, какая-то картинка у чела</a:t>
-            </a:r>
-          </a:p>
-          <a:p>
-            <a:r>
-              <a:rPr lang="ru-RU" sz="2600" b="1" dirty="0">
-                <a:latin typeface="Arial" panose="020B0604020202020204" pitchFamily="34" charset="0"/>
-                <a:cs typeface="Arial" panose="020B0604020202020204" pitchFamily="34" charset="0"/>
-              </a:rPr>
-              <a:t>Добавь что-то своё</a:t>
-            </a:r>
-          </a:p>
-        </p:txBody>
-      </p:sp>
-      <p:sp>
-        <p:nvSpPr>
-          <p:cNvPr id="2" name="Прямоугольник 1">
-            <a:extLst>
-              <a:ext uri="{FF2B5EF4-FFF2-40B4-BE49-F238E27FC236}">
-                <a16:creationId xmlns:a16="http://schemas.microsoft.com/office/drawing/2014/main" id="{1898F5A6-20C9-9C82-5E14-EDF0CB7FB03C}"/>
+              <a:t>5</a:t>
+            </a:r>
+          </a:p>
+        </p:txBody>
+      </p:sp>
+      <p:grpSp>
+        <p:nvGrpSpPr>
+          <p:cNvPr id="20" name="Группа 19">
+            <a:extLst>
+              <a:ext uri="{FF2B5EF4-FFF2-40B4-BE49-F238E27FC236}">
+                <a16:creationId xmlns:a16="http://schemas.microsoft.com/office/drawing/2014/main" id="{14CC9C3D-7843-D40E-1A75-EFACF5EF5597}"/>
+              </a:ext>
+            </a:extLst>
+          </p:cNvPr>
+          <p:cNvGrpSpPr/>
+          <p:nvPr/>
+        </p:nvGrpSpPr>
+        <p:grpSpPr>
+          <a:xfrm>
+            <a:off x="11706808" y="223946"/>
+            <a:ext cx="186613" cy="757713"/>
+            <a:chOff x="11706808" y="223946"/>
+            <a:chExt cx="186613" cy="757713"/>
+          </a:xfrm>
+        </p:grpSpPr>
+        <p:sp>
+          <p:nvSpPr>
+            <p:cNvPr id="9" name="Овал 8">
+              <a:extLst>
+                <a:ext uri="{FF2B5EF4-FFF2-40B4-BE49-F238E27FC236}">
+                  <a16:creationId xmlns:a16="http://schemas.microsoft.com/office/drawing/2014/main" id="{BA6C340B-EC38-F294-1958-3F5AA9D8C4A0}"/>
+                </a:ext>
+              </a:extLst>
+            </p:cNvPr>
+            <p:cNvSpPr/>
+            <p:nvPr/>
+          </p:nvSpPr>
+          <p:spPr>
+            <a:xfrm>
+              <a:off x="11706808" y="223946"/>
+              <a:ext cx="186613" cy="186613"/>
+            </a:xfrm>
+            <a:prstGeom prst="ellipse">
+              <a:avLst/>
+            </a:prstGeom>
+            <a:solidFill>
+              <a:schemeClr val="tx2">
+                <a:lumMod val="85000"/>
+                <a:lumOff val="15000"/>
+              </a:schemeClr>
+            </a:solidFill>
+            <a:ln>
+              <a:noFill/>
+            </a:ln>
+          </p:spPr>
+          <p:style>
+            <a:lnRef idx="2">
+              <a:schemeClr val="accent1">
+                <a:shade val="50000"/>
+              </a:schemeClr>
+            </a:lnRef>
+            <a:fillRef idx="1">
+              <a:schemeClr val="accent1"/>
+            </a:fillRef>
+            <a:effectRef idx="0">
+              <a:schemeClr val="accent1"/>
+            </a:effectRef>
+            <a:fontRef idx="minor">
+              <a:schemeClr val="lt1"/>
+            </a:fontRef>
+          </p:style>
+          <p:txBody>
+            <a:bodyPr rtlCol="0" anchor="ctr"/>
+            <a:lstStyle/>
+            <a:p>
+              <a:pPr algn="ctr"/>
+              <a:endParaRPr lang="ru-RU"/>
+            </a:p>
+          </p:txBody>
+        </p:sp>
+        <p:sp>
+          <p:nvSpPr>
+            <p:cNvPr id="16" name="Овал 15">
+              <a:extLst>
+                <a:ext uri="{FF2B5EF4-FFF2-40B4-BE49-F238E27FC236}">
+                  <a16:creationId xmlns:a16="http://schemas.microsoft.com/office/drawing/2014/main" id="{C30F2E32-58D4-E0E6-2F99-80F2B537C4FE}"/>
+                </a:ext>
+              </a:extLst>
+            </p:cNvPr>
+            <p:cNvSpPr/>
+            <p:nvPr/>
+          </p:nvSpPr>
+          <p:spPr>
+            <a:xfrm>
+              <a:off x="11706808" y="509496"/>
+              <a:ext cx="186613" cy="186613"/>
+            </a:xfrm>
+            <a:prstGeom prst="ellipse">
+              <a:avLst/>
+            </a:prstGeom>
+            <a:solidFill>
+              <a:schemeClr val="tx2">
+                <a:lumMod val="85000"/>
+                <a:lumOff val="15000"/>
+              </a:schemeClr>
+            </a:solidFill>
+            <a:ln>
+              <a:noFill/>
+            </a:ln>
+          </p:spPr>
+          <p:style>
+            <a:lnRef idx="2">
+              <a:schemeClr val="accent1">
+                <a:shade val="50000"/>
+              </a:schemeClr>
+            </a:lnRef>
+            <a:fillRef idx="1">
+              <a:schemeClr val="accent1"/>
+            </a:fillRef>
+            <a:effectRef idx="0">
+              <a:schemeClr val="accent1"/>
+            </a:effectRef>
+            <a:fontRef idx="minor">
+              <a:schemeClr val="lt1"/>
+            </a:fontRef>
+          </p:style>
+          <p:txBody>
+            <a:bodyPr rtlCol="0" anchor="ctr"/>
+            <a:lstStyle/>
+            <a:p>
+              <a:pPr algn="ctr"/>
+              <a:endParaRPr lang="ru-RU"/>
+            </a:p>
+          </p:txBody>
+        </p:sp>
+        <p:sp>
+          <p:nvSpPr>
+            <p:cNvPr id="19" name="Овал 18">
+              <a:extLst>
+                <a:ext uri="{FF2B5EF4-FFF2-40B4-BE49-F238E27FC236}">
+                  <a16:creationId xmlns:a16="http://schemas.microsoft.com/office/drawing/2014/main" id="{B9D2B621-BEBF-CE00-7DD1-D8934E44A257}"/>
+                </a:ext>
+              </a:extLst>
+            </p:cNvPr>
+            <p:cNvSpPr/>
+            <p:nvPr/>
+          </p:nvSpPr>
+          <p:spPr>
+            <a:xfrm>
+              <a:off x="11706808" y="795046"/>
+              <a:ext cx="186613" cy="186613"/>
+            </a:xfrm>
+            <a:prstGeom prst="ellipse">
+              <a:avLst/>
+            </a:prstGeom>
+            <a:solidFill>
+              <a:schemeClr val="tx2">
+                <a:lumMod val="85000"/>
+                <a:lumOff val="15000"/>
+              </a:schemeClr>
+            </a:solidFill>
+            <a:ln>
+              <a:noFill/>
+            </a:ln>
+          </p:spPr>
+          <p:style>
+            <a:lnRef idx="2">
+              <a:schemeClr val="accent1">
+                <a:shade val="50000"/>
+              </a:schemeClr>
+            </a:lnRef>
+            <a:fillRef idx="1">
+              <a:schemeClr val="accent1"/>
+            </a:fillRef>
+            <a:effectRef idx="0">
+              <a:schemeClr val="accent1"/>
+            </a:effectRef>
+            <a:fontRef idx="minor">
+              <a:schemeClr val="lt1"/>
+            </a:fontRef>
+          </p:style>
+          <p:txBody>
+            <a:bodyPr rtlCol="0" anchor="ctr"/>
+            <a:lstStyle/>
+            <a:p>
+              <a:pPr algn="ctr"/>
+              <a:endParaRPr lang="ru-RU"/>
+            </a:p>
+          </p:txBody>
+        </p:sp>
+      </p:grpSp>
+      <p:pic>
+        <p:nvPicPr>
+          <p:cNvPr id="7" name="Рисунок 6">
+            <a:extLst>
+              <a:ext uri="{FF2B5EF4-FFF2-40B4-BE49-F238E27FC236}">
+                <a16:creationId xmlns:a16="http://schemas.microsoft.com/office/drawing/2014/main" id="{CC627B56-63AD-E2F5-9622-5B99C5603B1C}"/>
+              </a:ext>
+            </a:extLst>
+          </p:cNvPr>
+          <p:cNvPicPr>
+            <a:picLocks noChangeAspect="1"/>
+          </p:cNvPicPr>
+          <p:nvPr/>
+        </p:nvPicPr>
+        <p:blipFill>
+          <a:blip r:embed="rId2"/>
+          <a:stretch>
+            <a:fillRect/>
+          </a:stretch>
+        </p:blipFill>
+        <p:spPr>
+          <a:xfrm>
+            <a:off x="662500" y="1668236"/>
+            <a:ext cx="10555888" cy="3824295"/>
+          </a:xfrm>
+          <a:prstGeom prst="rect">
+            <a:avLst/>
+          </a:prstGeom>
+        </p:spPr>
+      </p:pic>
+    </p:spTree>
+    <p:extLst>
+      <p:ext uri="{BB962C8B-B14F-4D97-AF65-F5344CB8AC3E}">
+        <p14:creationId xmlns:p14="http://schemas.microsoft.com/office/powerpoint/2010/main" val="221186031"/>
+      </p:ext>
+    </p:extLst>
+  </p:cSld>
+  <p:clrMapOvr>
+    <a:masterClrMapping/>
+  </p:clrMapOvr>
+</p:sld>
+</file>
+
+<file path=ppt/slides/slide7.xml><?xml version="1.0" encoding="utf-8"?>
+<p:sld xmlns:a="http://schemas.openxmlformats.org/drawingml/2006/main" xmlns:r="http://schemas.openxmlformats.org/officeDocument/2006/relationships" xmlns:p="http://schemas.openxmlformats.org/presentationml/2006/main">
+  <p:cSld>
+    <p:spTree>
+      <p:nvGrpSpPr>
+        <p:cNvPr id="1" name=""/>
+        <p:cNvGrpSpPr/>
+        <p:nvPr/>
+      </p:nvGrpSpPr>
+      <p:grpSpPr>
+        <a:xfrm>
+          <a:off x="0" y="0"/>
+          <a:ext cx="0" cy="0"/>
+          <a:chOff x="0" y="0"/>
+          <a:chExt cx="0" cy="0"/>
+        </a:xfrm>
+      </p:grpSpPr>
+      <p:sp>
+        <p:nvSpPr>
+          <p:cNvPr id="4" name="Прямоугольник 3">
+            <a:extLst>
+              <a:ext uri="{FF2B5EF4-FFF2-40B4-BE49-F238E27FC236}">
+                <a16:creationId xmlns:a16="http://schemas.microsoft.com/office/drawing/2014/main" id="{88A108B3-5818-6264-1CD6-3D23BFF1B259}"/>
               </a:ext>
             </a:extLst>
           </p:cNvPr>
@@ -5643,16 +5914,14 @@
         </p:nvSpPr>
         <p:spPr>
           <a:xfrm>
-            <a:off x="11941629" y="0"/>
-            <a:ext cx="93306" cy="6858000"/>
+            <a:off x="0" y="0"/>
+            <a:ext cx="12192000" cy="6858000"/>
           </a:xfrm>
           <a:prstGeom prst="rect">
             <a:avLst/>
           </a:prstGeom>
           <a:solidFill>
-            <a:schemeClr val="accent6">
-              <a:lumMod val="75000"/>
-            </a:schemeClr>
+            <a:srgbClr val="B3D5B4"/>
           </a:solidFill>
         </p:spPr>
         <p:style>
@@ -5682,6 +5951,148 @@
       </p:sp>
       <p:sp>
         <p:nvSpPr>
+          <p:cNvPr id="8" name="Прямоугольник 7">
+            <a:extLst>
+              <a:ext uri="{FF2B5EF4-FFF2-40B4-BE49-F238E27FC236}">
+                <a16:creationId xmlns:a16="http://schemas.microsoft.com/office/drawing/2014/main" id="{6A0066BD-3270-2326-403B-286F6C79ABE4}"/>
+              </a:ext>
+            </a:extLst>
+          </p:cNvPr>
+          <p:cNvSpPr/>
+          <p:nvPr/>
+        </p:nvSpPr>
+        <p:spPr>
+          <a:xfrm>
+            <a:off x="0" y="331978"/>
+            <a:ext cx="5791201" cy="744878"/>
+          </a:xfrm>
+          <a:prstGeom prst="rect">
+            <a:avLst/>
+          </a:prstGeom>
+          <a:solidFill>
+            <a:schemeClr val="accent1">
+              <a:alpha val="75000"/>
+            </a:schemeClr>
+          </a:solidFill>
+          <a:ln>
+            <a:noFill/>
+          </a:ln>
+        </p:spPr>
+        <p:style>
+          <a:lnRef idx="2">
+            <a:schemeClr val="accent1">
+              <a:shade val="50000"/>
+            </a:schemeClr>
+          </a:lnRef>
+          <a:fillRef idx="1">
+            <a:schemeClr val="accent1"/>
+          </a:fillRef>
+          <a:effectRef idx="0">
+            <a:schemeClr val="accent1"/>
+          </a:effectRef>
+          <a:fontRef idx="minor">
+            <a:schemeClr val="lt1"/>
+          </a:fontRef>
+        </p:style>
+        <p:txBody>
+          <a:bodyPr rtlCol="0" anchor="ctr"/>
+          <a:lstStyle/>
+          <a:p>
+            <a:pPr algn="ctr"/>
+            <a:endParaRPr lang="ru-RU" dirty="0"/>
+          </a:p>
+        </p:txBody>
+      </p:sp>
+      <p:sp>
+        <p:nvSpPr>
+          <p:cNvPr id="5" name="TextBox 4">
+            <a:extLst>
+              <a:ext uri="{FF2B5EF4-FFF2-40B4-BE49-F238E27FC236}">
+                <a16:creationId xmlns:a16="http://schemas.microsoft.com/office/drawing/2014/main" id="{F71A844B-7627-0241-B45B-44F2D9D1EF05}"/>
+              </a:ext>
+            </a:extLst>
+          </p:cNvPr>
+          <p:cNvSpPr txBox="1"/>
+          <p:nvPr/>
+        </p:nvSpPr>
+        <p:spPr>
+          <a:xfrm>
+            <a:off x="304800" y="412030"/>
+            <a:ext cx="5486401" cy="646331"/>
+          </a:xfrm>
+          <a:prstGeom prst="rect">
+            <a:avLst/>
+          </a:prstGeom>
+          <a:noFill/>
+        </p:spPr>
+        <p:txBody>
+          <a:bodyPr wrap="square">
+            <a:spAutoFit/>
+          </a:bodyPr>
+          <a:lstStyle/>
+          <a:p>
+            <a:r>
+              <a:rPr lang="ru-RU" sz="3600" b="1" dirty="0">
+                <a:latin typeface="Arial Narrow" panose="020B0606020202030204" pitchFamily="34" charset="0"/>
+              </a:rPr>
+              <a:t>Подсистемы управления</a:t>
+            </a:r>
+          </a:p>
+        </p:txBody>
+      </p:sp>
+      <p:sp>
+        <p:nvSpPr>
+          <p:cNvPr id="2" name="Прямоугольник 1">
+            <a:extLst>
+              <a:ext uri="{FF2B5EF4-FFF2-40B4-BE49-F238E27FC236}">
+                <a16:creationId xmlns:a16="http://schemas.microsoft.com/office/drawing/2014/main" id="{1898F5A6-20C9-9C82-5E14-EDF0CB7FB03C}"/>
+              </a:ext>
+            </a:extLst>
+          </p:cNvPr>
+          <p:cNvSpPr/>
+          <p:nvPr/>
+        </p:nvSpPr>
+        <p:spPr>
+          <a:xfrm>
+            <a:off x="11941629" y="0"/>
+            <a:ext cx="93306" cy="6858000"/>
+          </a:xfrm>
+          <a:prstGeom prst="rect">
+            <a:avLst/>
+          </a:prstGeom>
+          <a:solidFill>
+            <a:schemeClr val="accent6">
+              <a:lumMod val="75000"/>
+            </a:schemeClr>
+          </a:solidFill>
+        </p:spPr>
+        <p:style>
+          <a:lnRef idx="2">
+            <a:schemeClr val="accent1">
+              <a:shade val="50000"/>
+            </a:schemeClr>
+          </a:lnRef>
+          <a:fillRef idx="1">
+            <a:schemeClr val="accent1"/>
+          </a:fillRef>
+          <a:effectRef idx="0">
+            <a:schemeClr val="accent1"/>
+          </a:effectRef>
+          <a:fontRef idx="minor">
+            <a:schemeClr val="lt1"/>
+          </a:fontRef>
+        </p:style>
+        <p:txBody>
+          <a:bodyPr rtlCol="0" anchor="ctr"/>
+          <a:lstStyle/>
+          <a:p>
+            <a:pPr algn="ctr"/>
+            <a:endParaRPr lang="ru-RU"/>
+          </a:p>
+        </p:txBody>
+      </p:sp>
+      <p:sp>
+        <p:nvSpPr>
           <p:cNvPr id="3" name="TextBox 2">
             <a:extLst>
               <a:ext uri="{FF2B5EF4-FFF2-40B4-BE49-F238E27FC236}">
@@ -5722,6 +6133,36 @@
           </a:p>
         </p:txBody>
       </p:sp>
+      <p:pic>
+        <p:nvPicPr>
+          <p:cNvPr id="9" name="Рисунок 8">
+            <a:extLst>
+              <a:ext uri="{FF2B5EF4-FFF2-40B4-BE49-F238E27FC236}">
+                <a16:creationId xmlns:a16="http://schemas.microsoft.com/office/drawing/2014/main" id="{A0DA63EB-A092-44B7-1EBD-A64192836460}"/>
+              </a:ext>
+            </a:extLst>
+          </p:cNvPr>
+          <p:cNvPicPr>
+            <a:picLocks noChangeAspect="1"/>
+          </p:cNvPicPr>
+          <p:nvPr/>
+        </p:nvPicPr>
+        <p:blipFill>
+          <a:blip r:embed="rId2"/>
+          <a:stretch>
+            <a:fillRect/>
+          </a:stretch>
+        </p:blipFill>
+        <p:spPr>
+          <a:xfrm>
+            <a:off x="1791478" y="1257904"/>
+            <a:ext cx="7902268" cy="5419048"/>
+          </a:xfrm>
+          <a:prstGeom prst="rect">
+            <a:avLst/>
+          </a:prstGeom>
+        </p:spPr>
+      </p:pic>
     </p:spTree>
     <p:extLst>
       <p:ext uri="{BB962C8B-B14F-4D97-AF65-F5344CB8AC3E}">
@@ -5735,7 +6176,7 @@
 </p:sld>
 </file>
 
-<file path=ppt/slides/slide7.xml><?xml version="1.0" encoding="utf-8"?>
+<file path=ppt/slides/slide8.xml><?xml version="1.0" encoding="utf-8"?>
 <p:sld xmlns:a="http://schemas.openxmlformats.org/drawingml/2006/main" xmlns:r="http://schemas.openxmlformats.org/officeDocument/2006/relationships" xmlns:p="http://schemas.openxmlformats.org/presentationml/2006/main">
   <p:cSld>
     <p:spTree>
